--- a/Diagrams/תרשים מערכת.pptx
+++ b/Diagrams/תרשים מערכת.pptx
@@ -5,7 +5,7 @@
     <p:sldMasterId id="2147483648" r:id="rId1"/>
   </p:sldMasterIdLst>
   <p:sldIdLst>
-    <p:sldId id="256" r:id="rId2"/>
+    <p:sldId id="257" r:id="rId2"/>
   </p:sldIdLst>
   <p:sldSz cx="9144000" cy="6858000" type="screen4x3"/>
   <p:notesSz cx="6858000" cy="9144000"/>
@@ -288,7 +288,8 @@
           <a:p>
             <a:fld id="{E0055CED-5658-46D1-B776-C645CD7F13A2}" type="datetimeFigureOut">
               <a:rPr lang="he-IL" smtClean="0"/>
-              <a:t>א'/שבט/תשע"ו</a:t>
+              <a:pPr/>
+              <a:t>י'/שבט/תשע"ו</a:t>
             </a:fld>
             <a:endParaRPr lang="he-IL"/>
           </a:p>
@@ -330,6 +331,7 @@
           <a:p>
             <a:fld id="{7112CF60-C28D-4F5A-A470-827D86231E27}" type="slidenum">
               <a:rPr lang="he-IL" smtClean="0"/>
+              <a:pPr/>
               <a:t>‹#›</a:t>
             </a:fld>
             <a:endParaRPr lang="he-IL"/>
@@ -453,7 +455,8 @@
           <a:p>
             <a:fld id="{E0055CED-5658-46D1-B776-C645CD7F13A2}" type="datetimeFigureOut">
               <a:rPr lang="he-IL" smtClean="0"/>
-              <a:t>א'/שבט/תשע"ו</a:t>
+              <a:pPr/>
+              <a:t>י'/שבט/תשע"ו</a:t>
             </a:fld>
             <a:endParaRPr lang="he-IL"/>
           </a:p>
@@ -495,6 +498,7 @@
           <a:p>
             <a:fld id="{7112CF60-C28D-4F5A-A470-827D86231E27}" type="slidenum">
               <a:rPr lang="he-IL" smtClean="0"/>
+              <a:pPr/>
               <a:t>‹#›</a:t>
             </a:fld>
             <a:endParaRPr lang="he-IL"/>
@@ -628,7 +632,8 @@
           <a:p>
             <a:fld id="{E0055CED-5658-46D1-B776-C645CD7F13A2}" type="datetimeFigureOut">
               <a:rPr lang="he-IL" smtClean="0"/>
-              <a:t>א'/שבט/תשע"ו</a:t>
+              <a:pPr/>
+              <a:t>י'/שבט/תשע"ו</a:t>
             </a:fld>
             <a:endParaRPr lang="he-IL"/>
           </a:p>
@@ -670,6 +675,7 @@
           <a:p>
             <a:fld id="{7112CF60-C28D-4F5A-A470-827D86231E27}" type="slidenum">
               <a:rPr lang="he-IL" smtClean="0"/>
+              <a:pPr/>
               <a:t>‹#›</a:t>
             </a:fld>
             <a:endParaRPr lang="he-IL"/>
@@ -793,7 +799,8 @@
           <a:p>
             <a:fld id="{E0055CED-5658-46D1-B776-C645CD7F13A2}" type="datetimeFigureOut">
               <a:rPr lang="he-IL" smtClean="0"/>
-              <a:t>א'/שבט/תשע"ו</a:t>
+              <a:pPr/>
+              <a:t>י'/שבט/תשע"ו</a:t>
             </a:fld>
             <a:endParaRPr lang="he-IL"/>
           </a:p>
@@ -835,6 +842,7 @@
           <a:p>
             <a:fld id="{7112CF60-C28D-4F5A-A470-827D86231E27}" type="slidenum">
               <a:rPr lang="he-IL" smtClean="0"/>
+              <a:pPr/>
               <a:t>‹#›</a:t>
             </a:fld>
             <a:endParaRPr lang="he-IL"/>
@@ -1034,7 +1042,8 @@
           <a:p>
             <a:fld id="{E0055CED-5658-46D1-B776-C645CD7F13A2}" type="datetimeFigureOut">
               <a:rPr lang="he-IL" smtClean="0"/>
-              <a:t>א'/שבט/תשע"ו</a:t>
+              <a:pPr/>
+              <a:t>י'/שבט/תשע"ו</a:t>
             </a:fld>
             <a:endParaRPr lang="he-IL"/>
           </a:p>
@@ -1076,6 +1085,7 @@
           <a:p>
             <a:fld id="{7112CF60-C28D-4F5A-A470-827D86231E27}" type="slidenum">
               <a:rPr lang="he-IL" smtClean="0"/>
+              <a:pPr/>
               <a:t>‹#›</a:t>
             </a:fld>
             <a:endParaRPr lang="he-IL"/>
@@ -1317,7 +1327,8 @@
           <a:p>
             <a:fld id="{E0055CED-5658-46D1-B776-C645CD7F13A2}" type="datetimeFigureOut">
               <a:rPr lang="he-IL" smtClean="0"/>
-              <a:t>א'/שבט/תשע"ו</a:t>
+              <a:pPr/>
+              <a:t>י'/שבט/תשע"ו</a:t>
             </a:fld>
             <a:endParaRPr lang="he-IL"/>
           </a:p>
@@ -1359,6 +1370,7 @@
           <a:p>
             <a:fld id="{7112CF60-C28D-4F5A-A470-827D86231E27}" type="slidenum">
               <a:rPr lang="he-IL" smtClean="0"/>
+              <a:pPr/>
               <a:t>‹#›</a:t>
             </a:fld>
             <a:endParaRPr lang="he-IL"/>
@@ -1734,7 +1746,8 @@
           <a:p>
             <a:fld id="{E0055CED-5658-46D1-B776-C645CD7F13A2}" type="datetimeFigureOut">
               <a:rPr lang="he-IL" smtClean="0"/>
-              <a:t>א'/שבט/תשע"ו</a:t>
+              <a:pPr/>
+              <a:t>י'/שבט/תשע"ו</a:t>
             </a:fld>
             <a:endParaRPr lang="he-IL"/>
           </a:p>
@@ -1776,6 +1789,7 @@
           <a:p>
             <a:fld id="{7112CF60-C28D-4F5A-A470-827D86231E27}" type="slidenum">
               <a:rPr lang="he-IL" smtClean="0"/>
+              <a:pPr/>
               <a:t>‹#›</a:t>
             </a:fld>
             <a:endParaRPr lang="he-IL"/>
@@ -1847,7 +1861,8 @@
           <a:p>
             <a:fld id="{E0055CED-5658-46D1-B776-C645CD7F13A2}" type="datetimeFigureOut">
               <a:rPr lang="he-IL" smtClean="0"/>
-              <a:t>א'/שבט/תשע"ו</a:t>
+              <a:pPr/>
+              <a:t>י'/שבט/תשע"ו</a:t>
             </a:fld>
             <a:endParaRPr lang="he-IL"/>
           </a:p>
@@ -1889,6 +1904,7 @@
           <a:p>
             <a:fld id="{7112CF60-C28D-4F5A-A470-827D86231E27}" type="slidenum">
               <a:rPr lang="he-IL" smtClean="0"/>
+              <a:pPr/>
               <a:t>‹#›</a:t>
             </a:fld>
             <a:endParaRPr lang="he-IL"/>
@@ -1937,7 +1953,8 @@
           <a:p>
             <a:fld id="{E0055CED-5658-46D1-B776-C645CD7F13A2}" type="datetimeFigureOut">
               <a:rPr lang="he-IL" smtClean="0"/>
-              <a:t>א'/שבט/תשע"ו</a:t>
+              <a:pPr/>
+              <a:t>י'/שבט/תשע"ו</a:t>
             </a:fld>
             <a:endParaRPr lang="he-IL"/>
           </a:p>
@@ -1979,6 +1996,7 @@
           <a:p>
             <a:fld id="{7112CF60-C28D-4F5A-A470-827D86231E27}" type="slidenum">
               <a:rPr lang="he-IL" smtClean="0"/>
+              <a:pPr/>
               <a:t>‹#›</a:t>
             </a:fld>
             <a:endParaRPr lang="he-IL"/>
@@ -2209,7 +2227,8 @@
           <a:p>
             <a:fld id="{E0055CED-5658-46D1-B776-C645CD7F13A2}" type="datetimeFigureOut">
               <a:rPr lang="he-IL" smtClean="0"/>
-              <a:t>א'/שבט/תשע"ו</a:t>
+              <a:pPr/>
+              <a:t>י'/שבט/תשע"ו</a:t>
             </a:fld>
             <a:endParaRPr lang="he-IL"/>
           </a:p>
@@ -2251,6 +2270,7 @@
           <a:p>
             <a:fld id="{7112CF60-C28D-4F5A-A470-827D86231E27}" type="slidenum">
               <a:rPr lang="he-IL" smtClean="0"/>
+              <a:pPr/>
               <a:t>‹#›</a:t>
             </a:fld>
             <a:endParaRPr lang="he-IL"/>
@@ -2457,7 +2477,8 @@
           <a:p>
             <a:fld id="{E0055CED-5658-46D1-B776-C645CD7F13A2}" type="datetimeFigureOut">
               <a:rPr lang="he-IL" smtClean="0"/>
-              <a:t>א'/שבט/תשע"ו</a:t>
+              <a:pPr/>
+              <a:t>י'/שבט/תשע"ו</a:t>
             </a:fld>
             <a:endParaRPr lang="he-IL"/>
           </a:p>
@@ -2499,6 +2520,7 @@
           <a:p>
             <a:fld id="{7112CF60-C28D-4F5A-A470-827D86231E27}" type="slidenum">
               <a:rPr lang="he-IL" smtClean="0"/>
+              <a:pPr/>
               <a:t>‹#›</a:t>
             </a:fld>
             <a:endParaRPr lang="he-IL"/>
@@ -2665,7 +2687,8 @@
           <a:p>
             <a:fld id="{E0055CED-5658-46D1-B776-C645CD7F13A2}" type="datetimeFigureOut">
               <a:rPr lang="he-IL" smtClean="0"/>
-              <a:t>א'/שבט/תשע"ו</a:t>
+              <a:pPr/>
+              <a:t>י'/שבט/תשע"ו</a:t>
             </a:fld>
             <a:endParaRPr lang="he-IL"/>
           </a:p>
@@ -2743,6 +2766,7 @@
           <a:p>
             <a:fld id="{7112CF60-C28D-4F5A-A470-827D86231E27}" type="slidenum">
               <a:rPr lang="he-IL" smtClean="0"/>
+              <a:pPr/>
               <a:t>‹#›</a:t>
             </a:fld>
             <a:endParaRPr lang="he-IL"/>
@@ -3037,14 +3061,14 @@
       </p:grpSpPr>
       <p:grpSp>
         <p:nvGrpSpPr>
-          <p:cNvPr id="8" name="קבוצה 7"/>
+          <p:cNvPr id="2" name="קבוצה 7"/>
           <p:cNvGrpSpPr/>
           <p:nvPr/>
         </p:nvGrpSpPr>
         <p:grpSpPr>
           <a:xfrm>
-            <a:off x="674015" y="548680"/>
-            <a:ext cx="7210351" cy="2664296"/>
+            <a:off x="755576" y="3573016"/>
+            <a:ext cx="7642401" cy="2664296"/>
             <a:chOff x="1691680" y="692696"/>
             <a:chExt cx="6192688" cy="2376264"/>
           </a:xfrm>
@@ -3139,7 +3163,7 @@
         </p:nvSpPr>
         <p:spPr>
           <a:xfrm>
-            <a:off x="6732240" y="980728"/>
+            <a:off x="6813801" y="4005064"/>
             <a:ext cx="1008112" cy="360040"/>
           </a:xfrm>
           <a:prstGeom prst="rect">
@@ -3177,13 +3201,13 @@
       </p:sp>
       <p:grpSp>
         <p:nvGrpSpPr>
-          <p:cNvPr id="28" name="קבוצה 27"/>
+          <p:cNvPr id="3" name="קבוצה 27"/>
           <p:cNvGrpSpPr/>
           <p:nvPr/>
         </p:nvGrpSpPr>
         <p:grpSpPr>
           <a:xfrm>
-            <a:off x="4644008" y="980728"/>
+            <a:off x="4725569" y="4005064"/>
             <a:ext cx="1512168" cy="1944216"/>
             <a:chOff x="4427984" y="980728"/>
             <a:chExt cx="1512168" cy="1944216"/>
@@ -3191,7 +3215,7 @@
         </p:grpSpPr>
         <p:grpSp>
           <p:nvGrpSpPr>
-            <p:cNvPr id="13" name="קבוצה 12"/>
+            <p:cNvPr id="5" name="קבוצה 12"/>
             <p:cNvGrpSpPr/>
             <p:nvPr/>
           </p:nvGrpSpPr>
@@ -3281,7 +3305,7 @@
                 <a:pPr algn="ctr"/>
                 <a:r>
                   <a:rPr lang="en-US" b="1" dirty="0" smtClean="0"/>
-                  <a:t>Edison</a:t>
+                  <a:t>Raspberry Pi</a:t>
                 </a:r>
                 <a:endParaRPr lang="he-IL" b="1" dirty="0"/>
               </a:p>
@@ -3416,7 +3440,7 @@
         </p:sp>
         <p:grpSp>
           <p:nvGrpSpPr>
-            <p:cNvPr id="21" name="קבוצה 20"/>
+            <p:cNvPr id="6" name="קבוצה 20"/>
             <p:cNvGrpSpPr/>
             <p:nvPr/>
           </p:nvGrpSpPr>
@@ -3503,7 +3527,7 @@
         </p:grpSp>
         <p:grpSp>
           <p:nvGrpSpPr>
-            <p:cNvPr id="22" name="קבוצה 21"/>
+            <p:cNvPr id="8" name="קבוצה 21"/>
             <p:cNvGrpSpPr/>
             <p:nvPr/>
           </p:nvGrpSpPr>
@@ -3590,7 +3614,7 @@
         </p:grpSp>
         <p:grpSp>
           <p:nvGrpSpPr>
-            <p:cNvPr id="25" name="קבוצה 24"/>
+            <p:cNvPr id="10" name="קבוצה 24"/>
             <p:cNvGrpSpPr/>
             <p:nvPr/>
           </p:nvGrpSpPr>
@@ -3678,13 +3702,13 @@
       </p:grpSp>
       <p:grpSp>
         <p:nvGrpSpPr>
-          <p:cNvPr id="35" name="קבוצה 34"/>
+          <p:cNvPr id="13" name="קבוצה 34"/>
           <p:cNvGrpSpPr/>
           <p:nvPr/>
         </p:nvGrpSpPr>
         <p:grpSpPr>
           <a:xfrm>
-            <a:off x="2483768" y="980728"/>
+            <a:off x="2565329" y="4005064"/>
             <a:ext cx="1512168" cy="1944216"/>
             <a:chOff x="2771800" y="980728"/>
             <a:chExt cx="1512168" cy="1944216"/>
@@ -3827,7 +3851,7 @@
         </p:nvSpPr>
         <p:spPr>
           <a:xfrm>
-            <a:off x="899592" y="1340768"/>
+            <a:off x="981153" y="4365104"/>
             <a:ext cx="1152128" cy="288032"/>
           </a:xfrm>
           <a:prstGeom prst="roundRect">
@@ -3871,7 +3895,7 @@
         </p:nvSpPr>
         <p:spPr>
           <a:xfrm>
-            <a:off x="899592" y="1916832"/>
+            <a:off x="981153" y="4941168"/>
             <a:ext cx="1152128" cy="288032"/>
           </a:xfrm>
           <a:prstGeom prst="roundRect">
@@ -3915,7 +3939,7 @@
         </p:nvCxnSpPr>
         <p:spPr>
           <a:xfrm>
-            <a:off x="3995936" y="2883669"/>
+            <a:off x="4077497" y="5908005"/>
             <a:ext cx="648072" cy="0"/>
           </a:xfrm>
           <a:prstGeom prst="line">
@@ -3950,7 +3974,7 @@
         </p:nvCxnSpPr>
         <p:spPr>
           <a:xfrm>
-            <a:off x="3995936" y="2780928"/>
+            <a:off x="4077497" y="5805264"/>
             <a:ext cx="648072" cy="0"/>
           </a:xfrm>
           <a:prstGeom prst="line">
@@ -3985,7 +4009,7 @@
         </p:nvCxnSpPr>
         <p:spPr>
           <a:xfrm>
-            <a:off x="3995936" y="2681362"/>
+            <a:off x="4077497" y="5705698"/>
             <a:ext cx="648072" cy="0"/>
           </a:xfrm>
           <a:prstGeom prst="line">
@@ -4020,7 +4044,7 @@
         </p:nvSpPr>
         <p:spPr>
           <a:xfrm>
-            <a:off x="3851920" y="2528611"/>
+            <a:off x="3933481" y="5552947"/>
             <a:ext cx="428873" cy="215444"/>
           </a:xfrm>
           <a:prstGeom prst="rect">
@@ -4050,7 +4074,7 @@
         </p:nvSpPr>
         <p:spPr>
           <a:xfrm>
-            <a:off x="4067944" y="2629769"/>
+            <a:off x="4149505" y="5654105"/>
             <a:ext cx="360040" cy="215444"/>
           </a:xfrm>
           <a:prstGeom prst="rect">
@@ -4080,7 +4104,7 @@
         </p:nvSpPr>
         <p:spPr>
           <a:xfrm>
-            <a:off x="4237360" y="2732730"/>
+            <a:off x="4318921" y="5757066"/>
             <a:ext cx="406648" cy="215444"/>
           </a:xfrm>
           <a:prstGeom prst="rect">
@@ -4112,7 +4136,7 @@
         </p:nvCxnSpPr>
         <p:spPr>
           <a:xfrm flipH="1">
-            <a:off x="2051720" y="1160748"/>
+            <a:off x="2133281" y="4185084"/>
             <a:ext cx="432048" cy="324036"/>
           </a:xfrm>
           <a:prstGeom prst="straightConnector1">
@@ -4151,7 +4175,7 @@
         </p:nvCxnSpPr>
         <p:spPr>
           <a:xfrm flipH="1">
-            <a:off x="2051720" y="1160748"/>
+            <a:off x="2133281" y="4185084"/>
             <a:ext cx="432048" cy="900100"/>
           </a:xfrm>
           <a:prstGeom prst="straightConnector1">
@@ -4181,13 +4205,13 @@
       </p:cxnSp>
       <p:grpSp>
         <p:nvGrpSpPr>
-          <p:cNvPr id="68" name="קבוצה 67"/>
+          <p:cNvPr id="16" name="קבוצה 67"/>
           <p:cNvGrpSpPr/>
           <p:nvPr/>
         </p:nvGrpSpPr>
         <p:grpSpPr>
           <a:xfrm>
-            <a:off x="6168876" y="1099344"/>
+            <a:off x="6250437" y="4123680"/>
             <a:ext cx="563364" cy="141858"/>
             <a:chOff x="6168876" y="1099344"/>
             <a:chExt cx="563364" cy="141858"/>
@@ -4262,13 +4286,13 @@
       </p:grpSp>
       <p:grpSp>
         <p:nvGrpSpPr>
-          <p:cNvPr id="75" name="קבוצה 74"/>
+          <p:cNvPr id="18" name="קבוצה 74"/>
           <p:cNvGrpSpPr/>
           <p:nvPr/>
         </p:nvGrpSpPr>
         <p:grpSpPr>
           <a:xfrm>
-            <a:off x="4008636" y="1099344"/>
+            <a:off x="4090197" y="4123680"/>
             <a:ext cx="635372" cy="141858"/>
             <a:chOff x="4008636" y="1099344"/>
             <a:chExt cx="635372" cy="141858"/>
@@ -4341,152 +4365,136 @@
           </p:style>
         </p:cxnSp>
       </p:grpSp>
+      <p:sp>
+        <p:nvSpPr>
+          <p:cNvPr id="53" name="מלבן 52"/>
+          <p:cNvSpPr/>
+          <p:nvPr/>
+        </p:nvSpPr>
+        <p:spPr>
+          <a:xfrm>
+            <a:off x="6813801" y="4797152"/>
+            <a:ext cx="1008112" cy="1152128"/>
+          </a:xfrm>
+          <a:prstGeom prst="rect">
+            <a:avLst/>
+          </a:prstGeom>
+        </p:spPr>
+        <p:style>
+          <a:lnRef idx="2">
+            <a:schemeClr val="accent1">
+              <a:shade val="50000"/>
+            </a:schemeClr>
+          </a:lnRef>
+          <a:fillRef idx="1">
+            <a:schemeClr val="accent1"/>
+          </a:fillRef>
+          <a:effectRef idx="0">
+            <a:schemeClr val="accent1"/>
+          </a:effectRef>
+          <a:fontRef idx="minor">
+            <a:schemeClr val="lt1"/>
+          </a:fontRef>
+        </p:style>
+        <p:txBody>
+          <a:bodyPr rtlCol="1" anchor="ctr"/>
+          <a:lstStyle/>
+          <a:p>
+            <a:pPr algn="ctr"/>
+            <a:r>
+              <a:rPr lang="en-US" b="1" dirty="0" smtClean="0"/>
+              <a:t>Distance</a:t>
+            </a:r>
+          </a:p>
+          <a:p>
+            <a:pPr algn="ctr"/>
+            <a:r>
+              <a:rPr lang="en-US" b="1" dirty="0" smtClean="0"/>
+              <a:t>Sensors</a:t>
+            </a:r>
+            <a:endParaRPr lang="he-IL" b="1" dirty="0"/>
+          </a:p>
+        </p:txBody>
+      </p:sp>
       <p:grpSp>
         <p:nvGrpSpPr>
-          <p:cNvPr id="83" name="קבוצה 82"/>
+          <p:cNvPr id="55" name="קבוצה 77"/>
           <p:cNvGrpSpPr/>
           <p:nvPr/>
         </p:nvGrpSpPr>
         <p:grpSpPr>
           <a:xfrm>
-            <a:off x="4499992" y="4005064"/>
+            <a:off x="5004048" y="548680"/>
             <a:ext cx="2664296" cy="2016224"/>
-            <a:chOff x="4716016" y="4005064"/>
+            <a:chOff x="4860032" y="4005064"/>
             <a:chExt cx="2664296" cy="2016224"/>
           </a:xfrm>
         </p:grpSpPr>
-        <p:grpSp>
-          <p:nvGrpSpPr>
-            <p:cNvPr id="78" name="קבוצה 77"/>
-            <p:cNvGrpSpPr/>
-            <p:nvPr/>
-          </p:nvGrpSpPr>
-          <p:grpSpPr>
-            <a:xfrm>
-              <a:off x="4716016" y="4005064"/>
-              <a:ext cx="2664296" cy="2016224"/>
-              <a:chOff x="4860032" y="4005064"/>
-              <a:chExt cx="2664296" cy="2016224"/>
-            </a:xfrm>
-          </p:grpSpPr>
-          <p:sp>
-            <p:nvSpPr>
-              <p:cNvPr id="76" name="מלבן 75"/>
-              <p:cNvSpPr/>
-              <p:nvPr/>
-            </p:nvSpPr>
-            <p:spPr>
-              <a:xfrm>
-                <a:off x="4860032" y="4005064"/>
-                <a:ext cx="2664296" cy="2016224"/>
-              </a:xfrm>
-              <a:prstGeom prst="rect">
-                <a:avLst/>
-              </a:prstGeom>
-            </p:spPr>
-            <p:style>
-              <a:lnRef idx="1">
-                <a:schemeClr val="accent1"/>
-              </a:lnRef>
-              <a:fillRef idx="2">
-                <a:schemeClr val="accent1"/>
-              </a:fillRef>
-              <a:effectRef idx="1">
-                <a:schemeClr val="accent1"/>
-              </a:effectRef>
-              <a:fontRef idx="minor">
-                <a:schemeClr val="dk1"/>
-              </a:fontRef>
-            </p:style>
-            <p:txBody>
-              <a:bodyPr rtlCol="1" anchor="ctr"/>
-              <a:lstStyle/>
-              <a:p>
-                <a:pPr algn="ctr"/>
-                <a:endParaRPr lang="he-IL"/>
-              </a:p>
-            </p:txBody>
-          </p:sp>
-          <p:sp>
-            <p:nvSpPr>
-              <p:cNvPr id="77" name="מלבן 76"/>
-              <p:cNvSpPr/>
-              <p:nvPr/>
-            </p:nvSpPr>
-            <p:spPr>
-              <a:xfrm>
-                <a:off x="6660232" y="4005064"/>
-                <a:ext cx="864096" cy="360040"/>
-              </a:xfrm>
-              <a:prstGeom prst="rect">
-                <a:avLst/>
-              </a:prstGeom>
-            </p:spPr>
-            <p:style>
-              <a:lnRef idx="1">
-                <a:schemeClr val="accent1"/>
-              </a:lnRef>
-              <a:fillRef idx="2">
-                <a:schemeClr val="accent1"/>
-              </a:fillRef>
-              <a:effectRef idx="1">
-                <a:schemeClr val="accent1"/>
-              </a:effectRef>
-              <a:fontRef idx="minor">
-                <a:schemeClr val="dk1"/>
-              </a:fontRef>
-            </p:style>
-            <p:txBody>
-              <a:bodyPr rtlCol="1" anchor="ctr"/>
-              <a:lstStyle/>
-              <a:p>
-                <a:pPr algn="ctr"/>
-                <a:r>
-                  <a:rPr lang="en-US" dirty="0" smtClean="0">
-                    <a:solidFill>
-                      <a:schemeClr val="tx1"/>
-                    </a:solidFill>
-                  </a:rPr>
-                  <a:t>Server</a:t>
-                </a:r>
-                <a:endParaRPr lang="he-IL" dirty="0">
-                  <a:solidFill>
-                    <a:schemeClr val="tx1"/>
-                  </a:solidFill>
-                </a:endParaRPr>
-              </a:p>
-            </p:txBody>
-          </p:sp>
-        </p:grpSp>
         <p:sp>
           <p:nvSpPr>
-            <p:cNvPr id="79" name="מלבן 78"/>
+            <p:cNvPr id="60" name="מלבן 59"/>
             <p:cNvSpPr/>
             <p:nvPr/>
           </p:nvSpPr>
           <p:spPr>
             <a:xfrm>
-              <a:off x="5508104" y="4365104"/>
-              <a:ext cx="792088" cy="360040"/>
+              <a:off x="4860032" y="4005064"/>
+              <a:ext cx="2664296" cy="2016224"/>
             </a:xfrm>
             <a:prstGeom prst="rect">
               <a:avLst/>
             </a:prstGeom>
           </p:spPr>
           <p:style>
-            <a:lnRef idx="2">
-              <a:schemeClr val="accent1">
-                <a:shade val="50000"/>
-              </a:schemeClr>
+            <a:lnRef idx="1">
+              <a:schemeClr val="accent1"/>
             </a:lnRef>
-            <a:fillRef idx="1">
+            <a:fillRef idx="2">
               <a:schemeClr val="accent1"/>
             </a:fillRef>
-            <a:effectRef idx="0">
+            <a:effectRef idx="1">
               <a:schemeClr val="accent1"/>
             </a:effectRef>
             <a:fontRef idx="minor">
-              <a:schemeClr val="lt1"/>
+              <a:schemeClr val="dk1"/>
+            </a:fontRef>
+          </p:style>
+          <p:txBody>
+            <a:bodyPr rtlCol="1" anchor="ctr"/>
+            <a:lstStyle/>
+            <a:p>
+              <a:pPr algn="ctr"/>
+              <a:endParaRPr lang="he-IL"/>
+            </a:p>
+          </p:txBody>
+        </p:sp>
+        <p:sp>
+          <p:nvSpPr>
+            <p:cNvPr id="61" name="מלבן 60"/>
+            <p:cNvSpPr/>
+            <p:nvPr/>
+          </p:nvSpPr>
+          <p:spPr>
+            <a:xfrm>
+              <a:off x="6660232" y="4005064"/>
+              <a:ext cx="864096" cy="360040"/>
+            </a:xfrm>
+            <a:prstGeom prst="rect">
+              <a:avLst/>
+            </a:prstGeom>
+          </p:spPr>
+          <p:style>
+            <a:lnRef idx="1">
+              <a:schemeClr val="accent1"/>
+            </a:lnRef>
+            <a:fillRef idx="2">
+              <a:schemeClr val="accent1"/>
+            </a:fillRef>
+            <a:effectRef idx="1">
+              <a:schemeClr val="accent1"/>
+            </a:effectRef>
+            <a:fontRef idx="minor">
+              <a:schemeClr val="dk1"/>
             </a:fontRef>
           </p:style>
           <p:txBody>
@@ -4495,111 +4503,163 @@
             <a:p>
               <a:pPr algn="ctr"/>
               <a:r>
-                <a:rPr lang="en-US" dirty="0" smtClean="0"/>
-                <a:t>API</a:t>
+                <a:rPr lang="en-US" dirty="0" smtClean="0">
+                  <a:solidFill>
+                    <a:schemeClr val="tx1"/>
+                  </a:solidFill>
+                </a:rPr>
+                <a:t>Server</a:t>
               </a:r>
-              <a:endParaRPr lang="he-IL" dirty="0"/>
-            </a:p>
-          </p:txBody>
-        </p:sp>
-        <p:sp>
-          <p:nvSpPr>
-            <p:cNvPr id="80" name="מלבן 79"/>
-            <p:cNvSpPr/>
-            <p:nvPr/>
-          </p:nvSpPr>
-          <p:spPr>
-            <a:xfrm>
-              <a:off x="5076056" y="5157192"/>
-              <a:ext cx="792088" cy="360040"/>
-            </a:xfrm>
-            <a:prstGeom prst="rect">
-              <a:avLst/>
-            </a:prstGeom>
-          </p:spPr>
-          <p:style>
-            <a:lnRef idx="2">
-              <a:schemeClr val="accent1">
-                <a:shade val="50000"/>
-              </a:schemeClr>
-            </a:lnRef>
-            <a:fillRef idx="1">
-              <a:schemeClr val="accent1"/>
-            </a:fillRef>
-            <a:effectRef idx="0">
-              <a:schemeClr val="accent1"/>
-            </a:effectRef>
-            <a:fontRef idx="minor">
-              <a:schemeClr val="lt1"/>
-            </a:fontRef>
-          </p:style>
-          <p:txBody>
-            <a:bodyPr rtlCol="1" anchor="ctr"/>
-            <a:lstStyle/>
-            <a:p>
-              <a:pPr algn="ctr"/>
-              <a:r>
-                <a:rPr lang="en-US" dirty="0" smtClean="0"/>
-                <a:t>POST</a:t>
-              </a:r>
-              <a:endParaRPr lang="he-IL" dirty="0"/>
-            </a:p>
-          </p:txBody>
-        </p:sp>
-        <p:sp>
-          <p:nvSpPr>
-            <p:cNvPr id="81" name="מלבן 80"/>
-            <p:cNvSpPr/>
-            <p:nvPr/>
-          </p:nvSpPr>
-          <p:spPr>
-            <a:xfrm>
-              <a:off x="6228184" y="5157192"/>
-              <a:ext cx="792088" cy="360040"/>
-            </a:xfrm>
-            <a:prstGeom prst="rect">
-              <a:avLst/>
-            </a:prstGeom>
-          </p:spPr>
-          <p:style>
-            <a:lnRef idx="2">
-              <a:schemeClr val="accent1">
-                <a:shade val="50000"/>
-              </a:schemeClr>
-            </a:lnRef>
-            <a:fillRef idx="1">
-              <a:schemeClr val="accent1"/>
-            </a:fillRef>
-            <a:effectRef idx="0">
-              <a:schemeClr val="accent1"/>
-            </a:effectRef>
-            <a:fontRef idx="minor">
-              <a:schemeClr val="lt1"/>
-            </a:fontRef>
-          </p:style>
-          <p:txBody>
-            <a:bodyPr rtlCol="1" anchor="ctr"/>
-            <a:lstStyle/>
-            <a:p>
-              <a:pPr algn="ctr"/>
-              <a:r>
-                <a:rPr lang="en-US" dirty="0" smtClean="0"/>
-                <a:t>GET</a:t>
-              </a:r>
-              <a:endParaRPr lang="he-IL" dirty="0"/>
+              <a:endParaRPr lang="he-IL" dirty="0">
+                <a:solidFill>
+                  <a:schemeClr val="tx1"/>
+                </a:solidFill>
+              </a:endParaRPr>
             </a:p>
           </p:txBody>
         </p:sp>
       </p:grpSp>
       <p:sp>
         <p:nvSpPr>
-          <p:cNvPr id="82" name="מלבן 81"/>
+          <p:cNvPr id="57" name="מלבן 56"/>
           <p:cNvSpPr/>
           <p:nvPr/>
         </p:nvSpPr>
         <p:spPr>
           <a:xfrm>
-            <a:off x="1403648" y="4005064"/>
+            <a:off x="5436096" y="1700808"/>
+            <a:ext cx="792088" cy="360040"/>
+          </a:xfrm>
+          <a:prstGeom prst="rect">
+            <a:avLst/>
+          </a:prstGeom>
+        </p:spPr>
+        <p:style>
+          <a:lnRef idx="2">
+            <a:schemeClr val="accent1">
+              <a:shade val="50000"/>
+            </a:schemeClr>
+          </a:lnRef>
+          <a:fillRef idx="1">
+            <a:schemeClr val="accent1"/>
+          </a:fillRef>
+          <a:effectRef idx="0">
+            <a:schemeClr val="accent1"/>
+          </a:effectRef>
+          <a:fontRef idx="minor">
+            <a:schemeClr val="lt1"/>
+          </a:fontRef>
+        </p:style>
+        <p:txBody>
+          <a:bodyPr rtlCol="1" anchor="ctr"/>
+          <a:lstStyle/>
+          <a:p>
+            <a:pPr algn="ctr"/>
+            <a:r>
+              <a:rPr lang="en-US" dirty="0" smtClean="0"/>
+              <a:t>API</a:t>
+            </a:r>
+            <a:endParaRPr lang="he-IL" dirty="0"/>
+          </a:p>
+        </p:txBody>
+      </p:sp>
+      <p:sp>
+        <p:nvSpPr>
+          <p:cNvPr id="58" name="מלבן 57"/>
+          <p:cNvSpPr/>
+          <p:nvPr/>
+        </p:nvSpPr>
+        <p:spPr>
+          <a:xfrm>
+            <a:off x="5724128" y="908720"/>
+            <a:ext cx="792088" cy="360040"/>
+          </a:xfrm>
+          <a:prstGeom prst="rect">
+            <a:avLst/>
+          </a:prstGeom>
+        </p:spPr>
+        <p:style>
+          <a:lnRef idx="2">
+            <a:schemeClr val="accent1">
+              <a:shade val="50000"/>
+            </a:schemeClr>
+          </a:lnRef>
+          <a:fillRef idx="1">
+            <a:schemeClr val="accent1"/>
+          </a:fillRef>
+          <a:effectRef idx="0">
+            <a:schemeClr val="accent1"/>
+          </a:effectRef>
+          <a:fontRef idx="minor">
+            <a:schemeClr val="lt1"/>
+          </a:fontRef>
+        </p:style>
+        <p:txBody>
+          <a:bodyPr rtlCol="1" anchor="ctr"/>
+          <a:lstStyle/>
+          <a:p>
+            <a:pPr algn="ctr"/>
+            <a:r>
+              <a:rPr lang="en-US" dirty="0" smtClean="0"/>
+              <a:t>POST</a:t>
+            </a:r>
+            <a:endParaRPr lang="he-IL" dirty="0"/>
+          </a:p>
+        </p:txBody>
+      </p:sp>
+      <p:sp>
+        <p:nvSpPr>
+          <p:cNvPr id="59" name="מלבן 58"/>
+          <p:cNvSpPr/>
+          <p:nvPr/>
+        </p:nvSpPr>
+        <p:spPr>
+          <a:xfrm>
+            <a:off x="6588224" y="1700808"/>
+            <a:ext cx="792088" cy="360040"/>
+          </a:xfrm>
+          <a:prstGeom prst="rect">
+            <a:avLst/>
+          </a:prstGeom>
+        </p:spPr>
+        <p:style>
+          <a:lnRef idx="2">
+            <a:schemeClr val="accent1">
+              <a:shade val="50000"/>
+            </a:schemeClr>
+          </a:lnRef>
+          <a:fillRef idx="1">
+            <a:schemeClr val="accent1"/>
+          </a:fillRef>
+          <a:effectRef idx="0">
+            <a:schemeClr val="accent1"/>
+          </a:effectRef>
+          <a:fontRef idx="minor">
+            <a:schemeClr val="lt1"/>
+          </a:fontRef>
+        </p:style>
+        <p:txBody>
+          <a:bodyPr rtlCol="1" anchor="ctr"/>
+          <a:lstStyle/>
+          <a:p>
+            <a:pPr algn="ctr"/>
+            <a:r>
+              <a:rPr lang="en-US" dirty="0" smtClean="0"/>
+              <a:t>GET</a:t>
+            </a:r>
+            <a:endParaRPr lang="he-IL" dirty="0"/>
+          </a:p>
+        </p:txBody>
+      </p:sp>
+      <p:sp>
+        <p:nvSpPr>
+          <p:cNvPr id="64" name="מלבן 63"/>
+          <p:cNvSpPr/>
+          <p:nvPr/>
+        </p:nvSpPr>
+        <p:spPr>
+          <a:xfrm>
+            <a:off x="1547664" y="1052736"/>
             <a:ext cx="1944216" cy="1368152"/>
           </a:xfrm>
           <a:prstGeom prst="rect">
@@ -4635,79 +4695,13 @@
       </p:sp>
       <p:cxnSp>
         <p:nvCxnSpPr>
-          <p:cNvPr id="85" name="מחבר חץ ישר 84"/>
-          <p:cNvCxnSpPr/>
-          <p:nvPr/>
-        </p:nvCxnSpPr>
-        <p:spPr>
-          <a:xfrm flipH="1">
-            <a:off x="5868144" y="1340768"/>
-            <a:ext cx="1440160" cy="3024336"/>
-          </a:xfrm>
-          <a:prstGeom prst="straightConnector1">
-            <a:avLst/>
-          </a:prstGeom>
-          <a:ln>
-            <a:tailEnd type="arrow"/>
-          </a:ln>
-        </p:spPr>
-        <p:style>
-          <a:lnRef idx="2">
-            <a:schemeClr val="dk1"/>
-          </a:lnRef>
-          <a:fillRef idx="0">
-            <a:schemeClr val="dk1"/>
-          </a:fillRef>
-          <a:effectRef idx="1">
-            <a:schemeClr val="dk1"/>
-          </a:effectRef>
-          <a:fontRef idx="minor">
-            <a:schemeClr val="tx1"/>
-          </a:fontRef>
-        </p:style>
-      </p:cxnSp>
-      <p:cxnSp>
-        <p:nvCxnSpPr>
-          <p:cNvPr id="86" name="מחבר חץ ישר 85"/>
-          <p:cNvCxnSpPr/>
-          <p:nvPr/>
-        </p:nvCxnSpPr>
-        <p:spPr>
-          <a:xfrm flipV="1">
-            <a:off x="5618212" y="1340768"/>
-            <a:ext cx="1440160" cy="3024336"/>
-          </a:xfrm>
-          <a:prstGeom prst="straightConnector1">
-            <a:avLst/>
-          </a:prstGeom>
-          <a:ln>
-            <a:tailEnd type="arrow"/>
-          </a:ln>
-        </p:spPr>
-        <p:style>
-          <a:lnRef idx="2">
-            <a:schemeClr val="dk1"/>
-          </a:lnRef>
-          <a:fillRef idx="0">
-            <a:schemeClr val="dk1"/>
-          </a:fillRef>
-          <a:effectRef idx="1">
-            <a:schemeClr val="dk1"/>
-          </a:effectRef>
-          <a:fontRef idx="minor">
-            <a:schemeClr val="tx1"/>
-          </a:fontRef>
-        </p:style>
-      </p:cxnSp>
-      <p:cxnSp>
-        <p:nvCxnSpPr>
-          <p:cNvPr id="88" name="מחבר חץ ישר 87"/>
+          <p:cNvPr id="65" name="מחבר חץ ישר 64"/>
           <p:cNvCxnSpPr/>
           <p:nvPr/>
         </p:nvCxnSpPr>
         <p:spPr>
           <a:xfrm>
-            <a:off x="3347864" y="4653136"/>
+            <a:off x="3491880" y="1988840"/>
             <a:ext cx="1944216" cy="0"/>
           </a:xfrm>
           <a:prstGeom prst="straightConnector1">
@@ -4734,14 +4728,113 @@
       </p:cxnSp>
       <p:cxnSp>
         <p:nvCxnSpPr>
-          <p:cNvPr id="89" name="מחבר חץ ישר 88"/>
+          <p:cNvPr id="66" name="מחבר חץ ישר 65"/>
           <p:cNvCxnSpPr/>
           <p:nvPr/>
         </p:nvCxnSpPr>
         <p:spPr>
           <a:xfrm flipH="1">
-            <a:off x="3347864" y="4471020"/>
+            <a:off x="3491880" y="1806724"/>
             <a:ext cx="1944216" cy="0"/>
+          </a:xfrm>
+          <a:prstGeom prst="straightConnector1">
+            <a:avLst/>
+          </a:prstGeom>
+          <a:ln>
+            <a:tailEnd type="arrow"/>
+          </a:ln>
+        </p:spPr>
+        <p:style>
+          <a:lnRef idx="2">
+            <a:schemeClr val="dk1"/>
+          </a:lnRef>
+          <a:fillRef idx="0">
+            <a:schemeClr val="dk1"/>
+          </a:fillRef>
+          <a:effectRef idx="1">
+            <a:schemeClr val="dk1"/>
+          </a:effectRef>
+          <a:fontRef idx="minor">
+            <a:schemeClr val="tx1"/>
+          </a:fontRef>
+        </p:style>
+      </p:cxnSp>
+      <p:cxnSp>
+        <p:nvCxnSpPr>
+          <p:cNvPr id="67" name="מחבר חץ ישר 66"/>
+          <p:cNvCxnSpPr/>
+          <p:nvPr/>
+        </p:nvCxnSpPr>
+        <p:spPr>
+          <a:xfrm flipH="1" flipV="1">
+            <a:off x="6012160" y="2060848"/>
+            <a:ext cx="1296144" cy="1944216"/>
+          </a:xfrm>
+          <a:prstGeom prst="straightConnector1">
+            <a:avLst/>
+          </a:prstGeom>
+          <a:ln>
+            <a:tailEnd type="arrow"/>
+          </a:ln>
+        </p:spPr>
+        <p:style>
+          <a:lnRef idx="2">
+            <a:schemeClr val="dk1"/>
+          </a:lnRef>
+          <a:fillRef idx="0">
+            <a:schemeClr val="dk1"/>
+          </a:fillRef>
+          <a:effectRef idx="1">
+            <a:schemeClr val="dk1"/>
+          </a:effectRef>
+          <a:fontRef idx="minor">
+            <a:schemeClr val="tx1"/>
+          </a:fontRef>
+        </p:style>
+      </p:cxnSp>
+      <p:cxnSp>
+        <p:nvCxnSpPr>
+          <p:cNvPr id="68" name="מחבר חץ ישר 67"/>
+          <p:cNvCxnSpPr/>
+          <p:nvPr/>
+        </p:nvCxnSpPr>
+        <p:spPr>
+          <a:xfrm>
+            <a:off x="5724128" y="2060848"/>
+            <a:ext cx="1368533" cy="1944216"/>
+          </a:xfrm>
+          <a:prstGeom prst="straightConnector1">
+            <a:avLst/>
+          </a:prstGeom>
+          <a:ln>
+            <a:tailEnd type="arrow"/>
+          </a:ln>
+        </p:spPr>
+        <p:style>
+          <a:lnRef idx="2">
+            <a:schemeClr val="dk1"/>
+          </a:lnRef>
+          <a:fillRef idx="0">
+            <a:schemeClr val="dk1"/>
+          </a:fillRef>
+          <a:effectRef idx="1">
+            <a:schemeClr val="dk1"/>
+          </a:effectRef>
+          <a:fontRef idx="minor">
+            <a:schemeClr val="tx1"/>
+          </a:fontRef>
+        </p:style>
+      </p:cxnSp>
+      <p:cxnSp>
+        <p:nvCxnSpPr>
+          <p:cNvPr id="91" name="מחבר חץ ישר 90"/>
+          <p:cNvCxnSpPr/>
+          <p:nvPr/>
+        </p:nvCxnSpPr>
+        <p:spPr>
+          <a:xfrm flipH="1">
+            <a:off x="6228184" y="5085184"/>
+            <a:ext cx="576064" cy="0"/>
           </a:xfrm>
           <a:prstGeom prst="straightConnector1">
             <a:avLst/>
